--- a/Docs/Presentation.pptx
+++ b/Docs/Presentation.pptx
@@ -5,6 +5,7 @@
     <p:sldMasterId id="2147483648" r:id="rId1"/>
   </p:sldMasterIdLst>
   <p:sldIdLst>
+    <p:sldId id="275" r:id="rId2"/>
     <p:sldId id="256" r:id="rId3"/>
     <p:sldId id="258" r:id="rId4"/>
     <p:sldId id="259" r:id="rId5"/>
@@ -24,7 +25,7 @@
     <p:sldId id="274" r:id="rId19"/>
   </p:sldIdLst>
   <p:sldSz cx="12192000" cy="6858000"/>
-  <p:notesSz cx="7103745" cy="10234295"/>
+  <p:notesSz cx="7104063" cy="10234613"/>
   <p:defaultTextStyle>
     <a:defPPr>
       <a:defRPr lang="en-US"/>
@@ -120,6 +121,14 @@
       </a:defRPr>
     </a:lvl9pPr>
   </p:defaultTextStyle>
+  <p:extLst>
+    <p:ext uri="{EFAFB233-063F-42B5-8137-9DF3F51BA10A}">
+      <p15:sldGuideLst xmlns:p15="http://schemas.microsoft.com/office/powerpoint/2012/main"/>
+    </p:ext>
+    <p:ext uri="{2D200454-40CA-4A62-9FC3-DE9A4176ACB9}">
+      <p15:notesGuideLst xmlns:p15="http://schemas.microsoft.com/office/powerpoint/2012/main"/>
+    </p:ext>
+  </p:extLst>
 </p:presentation>
 </file>
 
@@ -165,10 +174,9 @@
           </a:lstStyle>
           <a:p>
             <a:r>
-              <a:rPr lang="en-US" smtClean="0"/>
+              <a:rPr lang="en-US"/>
               <a:t>Click to edit Master title style</a:t>
             </a:r>
-            <a:endParaRPr lang="en-US"/>
           </a:p>
         </p:txBody>
       </p:sp>
@@ -230,10 +238,9 @@
           </a:lstStyle>
           <a:p>
             <a:r>
-              <a:rPr lang="en-US" smtClean="0"/>
+              <a:rPr lang="en-US"/>
               <a:t>Click to edit Master subtitle style</a:t>
             </a:r>
-            <a:endParaRPr lang="en-US"/>
           </a:p>
         </p:txBody>
       </p:sp>
@@ -254,6 +261,7 @@
           <a:p>
             <a:fld id="{FDE934FF-F4E1-47C5-9CA5-30A81DDE2BE4}" type="datetimeFigureOut">
               <a:rPr lang="en-US" smtClean="0"/>
+              <a:t>12/29/2018</a:t>
             </a:fld>
             <a:endParaRPr lang="en-US"/>
           </a:p>
@@ -295,6 +303,7 @@
           <a:p>
             <a:fld id="{B3561BA9-CDCF-4958-B8AB-66F3BF063E13}" type="slidenum">
               <a:rPr lang="en-US" smtClean="0"/>
+              <a:t>‹#›</a:t>
             </a:fld>
             <a:endParaRPr lang="en-US"/>
           </a:p>
@@ -347,42 +356,37 @@
           <a:p>
             <a:pPr lvl="0"/>
             <a:r>
-              <a:rPr lang="en-US" smtClean="0"/>
+              <a:rPr lang="en-US"/>
               <a:t>Click to edit Master text styles</a:t>
             </a:r>
-            <a:endParaRPr lang="en-US" smtClean="0"/>
           </a:p>
           <a:p>
             <a:pPr lvl="1"/>
             <a:r>
-              <a:rPr lang="en-US" smtClean="0"/>
+              <a:rPr lang="en-US"/>
               <a:t>Second level</a:t>
             </a:r>
-            <a:endParaRPr lang="en-US" smtClean="0"/>
           </a:p>
           <a:p>
             <a:pPr lvl="2"/>
             <a:r>
-              <a:rPr lang="en-US" smtClean="0"/>
+              <a:rPr lang="en-US"/>
               <a:t>Third level</a:t>
             </a:r>
-            <a:endParaRPr lang="en-US" smtClean="0"/>
           </a:p>
           <a:p>
             <a:pPr lvl="3"/>
             <a:r>
-              <a:rPr lang="en-US" smtClean="0"/>
+              <a:rPr lang="en-US"/>
               <a:t>Fourth level</a:t>
             </a:r>
-            <a:endParaRPr lang="en-US" smtClean="0"/>
           </a:p>
           <a:p>
             <a:pPr lvl="4"/>
             <a:r>
-              <a:rPr lang="en-US" smtClean="0"/>
+              <a:rPr lang="en-US"/>
               <a:t>Fifth level</a:t>
             </a:r>
-            <a:endParaRPr lang="en-US"/>
           </a:p>
         </p:txBody>
       </p:sp>
@@ -403,6 +407,7 @@
           <a:p>
             <a:fld id="{FDE934FF-F4E1-47C5-9CA5-30A81DDE2BE4}" type="datetimeFigureOut">
               <a:rPr lang="en-US" smtClean="0"/>
+              <a:t>12/29/2018</a:t>
             </a:fld>
             <a:endParaRPr lang="en-US"/>
           </a:p>
@@ -444,6 +449,7 @@
           <a:p>
             <a:fld id="{B3561BA9-CDCF-4958-B8AB-66F3BF063E13}" type="slidenum">
               <a:rPr lang="en-US" smtClean="0"/>
+              <a:t>‹#›</a:t>
             </a:fld>
             <a:endParaRPr lang="en-US"/>
           </a:p>
@@ -490,10 +496,9 @@
           <a:lstStyle/>
           <a:p>
             <a:r>
-              <a:rPr lang="en-US" smtClean="0"/>
+              <a:rPr lang="en-US"/>
               <a:t>Click to edit Master title style</a:t>
             </a:r>
-            <a:endParaRPr lang="en-US"/>
           </a:p>
         </p:txBody>
       </p:sp>
@@ -514,42 +519,37 @@
           <a:p>
             <a:pPr lvl="0"/>
             <a:r>
-              <a:rPr lang="en-US" smtClean="0"/>
+              <a:rPr lang="en-US"/>
               <a:t>Click to edit Master text styles</a:t>
             </a:r>
-            <a:endParaRPr lang="en-US" smtClean="0"/>
           </a:p>
           <a:p>
             <a:pPr lvl="1"/>
             <a:r>
-              <a:rPr lang="en-US" smtClean="0"/>
+              <a:rPr lang="en-US"/>
               <a:t>Second level</a:t>
             </a:r>
-            <a:endParaRPr lang="en-US" smtClean="0"/>
           </a:p>
           <a:p>
             <a:pPr lvl="2"/>
             <a:r>
-              <a:rPr lang="en-US" smtClean="0"/>
+              <a:rPr lang="en-US"/>
               <a:t>Third level</a:t>
             </a:r>
-            <a:endParaRPr lang="en-US" smtClean="0"/>
           </a:p>
           <a:p>
             <a:pPr lvl="3"/>
             <a:r>
-              <a:rPr lang="en-US" smtClean="0"/>
+              <a:rPr lang="en-US"/>
               <a:t>Fourth level</a:t>
             </a:r>
-            <a:endParaRPr lang="en-US" smtClean="0"/>
           </a:p>
           <a:p>
             <a:pPr lvl="4"/>
             <a:r>
-              <a:rPr lang="en-US" smtClean="0"/>
+              <a:rPr lang="en-US"/>
               <a:t>Fifth level</a:t>
             </a:r>
-            <a:endParaRPr lang="en-US"/>
           </a:p>
         </p:txBody>
       </p:sp>
@@ -570,6 +570,7 @@
           <a:p>
             <a:fld id="{FDE934FF-F4E1-47C5-9CA5-30A81DDE2BE4}" type="datetimeFigureOut">
               <a:rPr lang="en-US" smtClean="0"/>
+              <a:t>12/29/2018</a:t>
             </a:fld>
             <a:endParaRPr lang="en-US"/>
           </a:p>
@@ -611,6 +612,7 @@
           <a:p>
             <a:fld id="{B3561BA9-CDCF-4958-B8AB-66F3BF063E13}" type="slidenum">
               <a:rPr lang="en-US" smtClean="0"/>
+              <a:t>‹#›</a:t>
             </a:fld>
             <a:endParaRPr lang="en-US"/>
           </a:p>
@@ -666,10 +668,9 @@
           </a:lstStyle>
           <a:p>
             <a:r>
-              <a:rPr lang="en-US" smtClean="0"/>
+              <a:rPr lang="en-US"/>
               <a:t>Click to edit Master title style</a:t>
             </a:r>
-            <a:endParaRPr lang="en-US"/>
           </a:p>
         </p:txBody>
       </p:sp>
@@ -786,10 +787,9 @@
           <a:p>
             <a:pPr lvl="0"/>
             <a:r>
-              <a:rPr lang="en-US" smtClean="0"/>
+              <a:rPr lang="en-US"/>
               <a:t>Click to edit Master text styles</a:t>
             </a:r>
-            <a:endParaRPr lang="en-US" smtClean="0"/>
           </a:p>
         </p:txBody>
       </p:sp>
@@ -810,6 +810,7 @@
           <a:p>
             <a:fld id="{FDE934FF-F4E1-47C5-9CA5-30A81DDE2BE4}" type="datetimeFigureOut">
               <a:rPr lang="en-US" smtClean="0"/>
+              <a:t>12/29/2018</a:t>
             </a:fld>
             <a:endParaRPr lang="en-US"/>
           </a:p>
@@ -851,6 +852,7 @@
           <a:p>
             <a:fld id="{B3561BA9-CDCF-4958-B8AB-66F3BF063E13}" type="slidenum">
               <a:rPr lang="en-US" smtClean="0"/>
+              <a:t>‹#›</a:t>
             </a:fld>
             <a:endParaRPr lang="en-US"/>
           </a:p>
@@ -897,10 +899,9 @@
           <a:lstStyle/>
           <a:p>
             <a:r>
-              <a:rPr lang="en-US" smtClean="0"/>
+              <a:rPr lang="en-US"/>
               <a:t>Click to edit Master title style</a:t>
             </a:r>
-            <a:endParaRPr lang="en-US"/>
           </a:p>
         </p:txBody>
       </p:sp>
@@ -926,42 +927,37 @@
           <a:p>
             <a:pPr lvl="0"/>
             <a:r>
-              <a:rPr lang="en-US" smtClean="0"/>
+              <a:rPr lang="en-US"/>
               <a:t>Click to edit Master text styles</a:t>
             </a:r>
-            <a:endParaRPr lang="en-US" smtClean="0"/>
           </a:p>
           <a:p>
             <a:pPr lvl="1"/>
             <a:r>
-              <a:rPr lang="en-US" smtClean="0"/>
+              <a:rPr lang="en-US"/>
               <a:t>Second level</a:t>
             </a:r>
-            <a:endParaRPr lang="en-US" smtClean="0"/>
           </a:p>
           <a:p>
             <a:pPr lvl="2"/>
             <a:r>
-              <a:rPr lang="en-US" smtClean="0"/>
+              <a:rPr lang="en-US"/>
               <a:t>Third level</a:t>
             </a:r>
-            <a:endParaRPr lang="en-US" smtClean="0"/>
           </a:p>
           <a:p>
             <a:pPr lvl="3"/>
             <a:r>
-              <a:rPr lang="en-US" smtClean="0"/>
+              <a:rPr lang="en-US"/>
               <a:t>Fourth level</a:t>
             </a:r>
-            <a:endParaRPr lang="en-US" smtClean="0"/>
           </a:p>
           <a:p>
             <a:pPr lvl="4"/>
             <a:r>
-              <a:rPr lang="en-US" smtClean="0"/>
+              <a:rPr lang="en-US"/>
               <a:t>Fifth level</a:t>
             </a:r>
-            <a:endParaRPr lang="en-US"/>
           </a:p>
         </p:txBody>
       </p:sp>
@@ -987,42 +983,37 @@
           <a:p>
             <a:pPr lvl="0"/>
             <a:r>
-              <a:rPr lang="en-US" smtClean="0"/>
+              <a:rPr lang="en-US"/>
               <a:t>Click to edit Master text styles</a:t>
             </a:r>
-            <a:endParaRPr lang="en-US" smtClean="0"/>
           </a:p>
           <a:p>
             <a:pPr lvl="1"/>
             <a:r>
-              <a:rPr lang="en-US" smtClean="0"/>
+              <a:rPr lang="en-US"/>
               <a:t>Second level</a:t>
             </a:r>
-            <a:endParaRPr lang="en-US" smtClean="0"/>
           </a:p>
           <a:p>
             <a:pPr lvl="2"/>
             <a:r>
-              <a:rPr lang="en-US" smtClean="0"/>
+              <a:rPr lang="en-US"/>
               <a:t>Third level</a:t>
             </a:r>
-            <a:endParaRPr lang="en-US" smtClean="0"/>
           </a:p>
           <a:p>
             <a:pPr lvl="3"/>
             <a:r>
-              <a:rPr lang="en-US" smtClean="0"/>
+              <a:rPr lang="en-US"/>
               <a:t>Fourth level</a:t>
             </a:r>
-            <a:endParaRPr lang="en-US" smtClean="0"/>
           </a:p>
           <a:p>
             <a:pPr lvl="4"/>
             <a:r>
-              <a:rPr lang="en-US" smtClean="0"/>
+              <a:rPr lang="en-US"/>
               <a:t>Fifth level</a:t>
             </a:r>
-            <a:endParaRPr lang="en-US"/>
           </a:p>
         </p:txBody>
       </p:sp>
@@ -1043,6 +1034,7 @@
           <a:p>
             <a:fld id="{FDE934FF-F4E1-47C5-9CA5-30A81DDE2BE4}" type="datetimeFigureOut">
               <a:rPr lang="en-US" smtClean="0"/>
+              <a:t>12/29/2018</a:t>
             </a:fld>
             <a:endParaRPr lang="en-US"/>
           </a:p>
@@ -1084,6 +1076,7 @@
           <a:p>
             <a:fld id="{B3561BA9-CDCF-4958-B8AB-66F3BF063E13}" type="slidenum">
               <a:rPr lang="en-US" smtClean="0"/>
+              <a:t>‹#›</a:t>
             </a:fld>
             <a:endParaRPr lang="en-US"/>
           </a:p>
@@ -1135,10 +1128,9 @@
           <a:lstStyle/>
           <a:p>
             <a:r>
-              <a:rPr lang="en-US" smtClean="0"/>
+              <a:rPr lang="en-US"/>
               <a:t>Click to edit Master title style</a:t>
             </a:r>
-            <a:endParaRPr lang="en-US"/>
           </a:p>
         </p:txBody>
       </p:sp>
@@ -1201,10 +1193,9 @@
           <a:p>
             <a:pPr lvl="0"/>
             <a:r>
-              <a:rPr lang="en-US" smtClean="0"/>
+              <a:rPr lang="en-US"/>
               <a:t>Click to edit Master text styles</a:t>
             </a:r>
-            <a:endParaRPr lang="en-US" smtClean="0"/>
           </a:p>
         </p:txBody>
       </p:sp>
@@ -1230,42 +1221,37 @@
           <a:p>
             <a:pPr lvl="0"/>
             <a:r>
-              <a:rPr lang="en-US" smtClean="0"/>
+              <a:rPr lang="en-US"/>
               <a:t>Click to edit Master text styles</a:t>
             </a:r>
-            <a:endParaRPr lang="en-US" smtClean="0"/>
           </a:p>
           <a:p>
             <a:pPr lvl="1"/>
             <a:r>
-              <a:rPr lang="en-US" smtClean="0"/>
+              <a:rPr lang="en-US"/>
               <a:t>Second level</a:t>
             </a:r>
-            <a:endParaRPr lang="en-US" smtClean="0"/>
           </a:p>
           <a:p>
             <a:pPr lvl="2"/>
             <a:r>
-              <a:rPr lang="en-US" smtClean="0"/>
+              <a:rPr lang="en-US"/>
               <a:t>Third level</a:t>
             </a:r>
-            <a:endParaRPr lang="en-US" smtClean="0"/>
           </a:p>
           <a:p>
             <a:pPr lvl="3"/>
             <a:r>
-              <a:rPr lang="en-US" smtClean="0"/>
+              <a:rPr lang="en-US"/>
               <a:t>Fourth level</a:t>
             </a:r>
-            <a:endParaRPr lang="en-US" smtClean="0"/>
           </a:p>
           <a:p>
             <a:pPr lvl="4"/>
             <a:r>
-              <a:rPr lang="en-US" smtClean="0"/>
+              <a:rPr lang="en-US"/>
               <a:t>Fifth level</a:t>
             </a:r>
-            <a:endParaRPr lang="en-US"/>
           </a:p>
         </p:txBody>
       </p:sp>
@@ -1328,10 +1314,9 @@
           <a:p>
             <a:pPr lvl="0"/>
             <a:r>
-              <a:rPr lang="en-US" smtClean="0"/>
+              <a:rPr lang="en-US"/>
               <a:t>Click to edit Master text styles</a:t>
             </a:r>
-            <a:endParaRPr lang="en-US" smtClean="0"/>
           </a:p>
         </p:txBody>
       </p:sp>
@@ -1357,42 +1342,37 @@
           <a:p>
             <a:pPr lvl="0"/>
             <a:r>
-              <a:rPr lang="en-US" smtClean="0"/>
+              <a:rPr lang="en-US"/>
               <a:t>Click to edit Master text styles</a:t>
             </a:r>
-            <a:endParaRPr lang="en-US" smtClean="0"/>
           </a:p>
           <a:p>
             <a:pPr lvl="1"/>
             <a:r>
-              <a:rPr lang="en-US" smtClean="0"/>
+              <a:rPr lang="en-US"/>
               <a:t>Second level</a:t>
             </a:r>
-            <a:endParaRPr lang="en-US" smtClean="0"/>
           </a:p>
           <a:p>
             <a:pPr lvl="2"/>
             <a:r>
-              <a:rPr lang="en-US" smtClean="0"/>
+              <a:rPr lang="en-US"/>
               <a:t>Third level</a:t>
             </a:r>
-            <a:endParaRPr lang="en-US" smtClean="0"/>
           </a:p>
           <a:p>
             <a:pPr lvl="3"/>
             <a:r>
-              <a:rPr lang="en-US" smtClean="0"/>
+              <a:rPr lang="en-US"/>
               <a:t>Fourth level</a:t>
             </a:r>
-            <a:endParaRPr lang="en-US" smtClean="0"/>
           </a:p>
           <a:p>
             <a:pPr lvl="4"/>
             <a:r>
-              <a:rPr lang="en-US" smtClean="0"/>
+              <a:rPr lang="en-US"/>
               <a:t>Fifth level</a:t>
             </a:r>
-            <a:endParaRPr lang="en-US"/>
           </a:p>
         </p:txBody>
       </p:sp>
@@ -1413,6 +1393,7 @@
           <a:p>
             <a:fld id="{FDE934FF-F4E1-47C5-9CA5-30A81DDE2BE4}" type="datetimeFigureOut">
               <a:rPr lang="en-US" smtClean="0"/>
+              <a:t>12/29/2018</a:t>
             </a:fld>
             <a:endParaRPr lang="en-US"/>
           </a:p>
@@ -1454,6 +1435,7 @@
           <a:p>
             <a:fld id="{B3561BA9-CDCF-4958-B8AB-66F3BF063E13}" type="slidenum">
               <a:rPr lang="en-US" smtClean="0"/>
+              <a:t>‹#›</a:t>
             </a:fld>
             <a:endParaRPr lang="en-US"/>
           </a:p>
@@ -1500,10 +1482,9 @@
           <a:lstStyle/>
           <a:p>
             <a:r>
-              <a:rPr lang="en-US" smtClean="0"/>
+              <a:rPr lang="en-US"/>
               <a:t>Click to edit Master title style</a:t>
             </a:r>
-            <a:endParaRPr lang="en-US"/>
           </a:p>
         </p:txBody>
       </p:sp>
@@ -1524,6 +1505,7 @@
           <a:p>
             <a:fld id="{FDE934FF-F4E1-47C5-9CA5-30A81DDE2BE4}" type="datetimeFigureOut">
               <a:rPr lang="en-US" smtClean="0"/>
+              <a:t>12/29/2018</a:t>
             </a:fld>
             <a:endParaRPr lang="en-US"/>
           </a:p>
@@ -1565,6 +1547,7 @@
           <a:p>
             <a:fld id="{B3561BA9-CDCF-4958-B8AB-66F3BF063E13}" type="slidenum">
               <a:rPr lang="en-US" smtClean="0"/>
+              <a:t>‹#›</a:t>
             </a:fld>
             <a:endParaRPr lang="en-US"/>
           </a:p>
@@ -1612,6 +1595,7 @@
           <a:p>
             <a:fld id="{FDE934FF-F4E1-47C5-9CA5-30A81DDE2BE4}" type="datetimeFigureOut">
               <a:rPr lang="en-US" smtClean="0"/>
+              <a:t>12/29/2018</a:t>
             </a:fld>
             <a:endParaRPr lang="en-US"/>
           </a:p>
@@ -1653,6 +1637,7 @@
           <a:p>
             <a:fld id="{B3561BA9-CDCF-4958-B8AB-66F3BF063E13}" type="slidenum">
               <a:rPr lang="en-US" smtClean="0"/>
+              <a:t>‹#›</a:t>
             </a:fld>
             <a:endParaRPr lang="en-US"/>
           </a:p>
@@ -1708,10 +1693,9 @@
           </a:lstStyle>
           <a:p>
             <a:r>
-              <a:rPr lang="en-US" smtClean="0"/>
+              <a:rPr lang="en-US"/>
               <a:t>Click to edit Master title style</a:t>
             </a:r>
-            <a:endParaRPr lang="en-US"/>
           </a:p>
         </p:txBody>
       </p:sp>
@@ -1835,10 +1819,9 @@
           <a:p>
             <a:pPr lvl="0"/>
             <a:r>
-              <a:rPr lang="en-US" smtClean="0"/>
+              <a:rPr lang="en-US"/>
               <a:t>Click to edit Master text styles</a:t>
             </a:r>
-            <a:endParaRPr lang="en-US" smtClean="0"/>
           </a:p>
         </p:txBody>
       </p:sp>
@@ -1859,6 +1842,7 @@
           <a:p>
             <a:fld id="{FDE934FF-F4E1-47C5-9CA5-30A81DDE2BE4}" type="datetimeFigureOut">
               <a:rPr lang="en-US" smtClean="0"/>
+              <a:t>12/29/2018</a:t>
             </a:fld>
             <a:endParaRPr lang="en-US"/>
           </a:p>
@@ -1900,6 +1884,7 @@
           <a:p>
             <a:fld id="{B3561BA9-CDCF-4958-B8AB-66F3BF063E13}" type="slidenum">
               <a:rPr lang="en-US" smtClean="0"/>
+              <a:t>‹#›</a:t>
             </a:fld>
             <a:endParaRPr lang="en-US"/>
           </a:p>
@@ -1910,13 +1895,6 @@
   <p:clrMapOvr>
     <a:masterClrMapping/>
   </p:clrMapOvr>
-  <p:timing>
-    <p:tnLst>
-      <p:par>
-        <p:cTn id="1" dur="indefinite" restart="never" nodeType="tmRoot"/>
-      </p:par>
-    </p:tnLst>
-  </p:timing>
 </p:sldLayout>
 </file>
 
@@ -1958,10 +1936,9 @@
           <a:lstStyle/>
           <a:p>
             <a:r>
-              <a:rPr lang="en-US" smtClean="0"/>
+              <a:rPr lang="en-US"/>
               <a:t>Click to edit Master title style</a:t>
             </a:r>
-            <a:endParaRPr lang="en-US"/>
           </a:p>
         </p:txBody>
       </p:sp>
@@ -1987,42 +1964,37 @@
           <a:p>
             <a:pPr lvl="0"/>
             <a:r>
-              <a:rPr lang="en-US" smtClean="0"/>
+              <a:rPr lang="en-US"/>
               <a:t>Click to edit Master text styles</a:t>
             </a:r>
-            <a:endParaRPr lang="en-US" smtClean="0"/>
           </a:p>
           <a:p>
             <a:pPr lvl="1"/>
             <a:r>
-              <a:rPr lang="en-US" smtClean="0"/>
+              <a:rPr lang="en-US"/>
               <a:t>Second level</a:t>
             </a:r>
-            <a:endParaRPr lang="en-US" smtClean="0"/>
           </a:p>
           <a:p>
             <a:pPr lvl="2"/>
             <a:r>
-              <a:rPr lang="en-US" smtClean="0"/>
+              <a:rPr lang="en-US"/>
               <a:t>Third level</a:t>
             </a:r>
-            <a:endParaRPr lang="en-US" smtClean="0"/>
           </a:p>
           <a:p>
             <a:pPr lvl="3"/>
             <a:r>
-              <a:rPr lang="en-US" smtClean="0"/>
+              <a:rPr lang="en-US"/>
               <a:t>Fourth level</a:t>
             </a:r>
-            <a:endParaRPr lang="en-US" smtClean="0"/>
           </a:p>
           <a:p>
             <a:pPr lvl="4"/>
             <a:r>
-              <a:rPr lang="en-US" smtClean="0"/>
+              <a:rPr lang="en-US"/>
               <a:t>Fifth level</a:t>
             </a:r>
-            <a:endParaRPr lang="en-US"/>
           </a:p>
         </p:txBody>
       </p:sp>
@@ -2043,6 +2015,7 @@
           <a:p>
             <a:fld id="{FDE934FF-F4E1-47C5-9CA5-30A81DDE2BE4}" type="datetimeFigureOut">
               <a:rPr lang="en-US" smtClean="0"/>
+              <a:t>12/29/2018</a:t>
             </a:fld>
             <a:endParaRPr lang="en-US"/>
           </a:p>
@@ -2084,6 +2057,7 @@
           <a:p>
             <a:fld id="{B3561BA9-CDCF-4958-B8AB-66F3BF063E13}" type="slidenum">
               <a:rPr lang="en-US" smtClean="0"/>
+              <a:t>‹#›</a:t>
             </a:fld>
             <a:endParaRPr lang="en-US"/>
           </a:p>
@@ -2145,10 +2119,9 @@
           <a:lstStyle/>
           <a:p>
             <a:r>
-              <a:rPr lang="en-US" smtClean="0"/>
+              <a:rPr lang="en-US"/>
               <a:t>Click to edit Master title style</a:t>
             </a:r>
-            <a:endParaRPr lang="en-US"/>
           </a:p>
         </p:txBody>
       </p:sp>
@@ -2179,42 +2152,37 @@
           <a:p>
             <a:pPr lvl="0"/>
             <a:r>
-              <a:rPr lang="en-US" smtClean="0"/>
+              <a:rPr lang="en-US"/>
               <a:t>Click to edit Master text styles</a:t>
             </a:r>
-            <a:endParaRPr lang="en-US" smtClean="0"/>
           </a:p>
           <a:p>
             <a:pPr lvl="1"/>
             <a:r>
-              <a:rPr lang="en-US" smtClean="0"/>
+              <a:rPr lang="en-US"/>
               <a:t>Second level</a:t>
             </a:r>
-            <a:endParaRPr lang="en-US" smtClean="0"/>
           </a:p>
           <a:p>
             <a:pPr lvl="2"/>
             <a:r>
-              <a:rPr lang="en-US" smtClean="0"/>
+              <a:rPr lang="en-US"/>
               <a:t>Third level</a:t>
             </a:r>
-            <a:endParaRPr lang="en-US" smtClean="0"/>
           </a:p>
           <a:p>
             <a:pPr lvl="3"/>
             <a:r>
-              <a:rPr lang="en-US" smtClean="0"/>
+              <a:rPr lang="en-US"/>
               <a:t>Fourth level</a:t>
             </a:r>
-            <a:endParaRPr lang="en-US" smtClean="0"/>
           </a:p>
           <a:p>
             <a:pPr lvl="4"/>
             <a:r>
-              <a:rPr lang="en-US" smtClean="0"/>
+              <a:rPr lang="en-US"/>
               <a:t>Fifth level</a:t>
             </a:r>
-            <a:endParaRPr lang="en-US"/>
           </a:p>
         </p:txBody>
       </p:sp>
@@ -2253,6 +2221,7 @@
           <a:p>
             <a:fld id="{FDE934FF-F4E1-47C5-9CA5-30A81DDE2BE4}" type="datetimeFigureOut">
               <a:rPr lang="en-US" smtClean="0"/>
+              <a:t>12/29/2018</a:t>
             </a:fld>
             <a:endParaRPr lang="en-US"/>
           </a:p>
@@ -2330,6 +2299,7 @@
           <a:p>
             <a:fld id="{B3561BA9-CDCF-4958-B8AB-66F3BF063E13}" type="slidenum">
               <a:rPr lang="en-US" smtClean="0"/>
+              <a:t>‹#›</a:t>
             </a:fld>
             <a:endParaRPr lang="en-US"/>
           </a:p>
@@ -2642,32 +2612,132 @@
         <p:cNvGrpSpPr/>
         <p:nvPr/>
       </p:nvGrpSpPr>
-      <p:grpSpPr/>
-      <p:sp>
-        <p:nvSpPr>
-          <p:cNvPr id="2" name="Title 1"/>
-          <p:cNvSpPr>
-            <a:spLocks noGrp="1"/>
-          </p:cNvSpPr>
-          <p:nvPr>
-            <p:ph type="ctrTitle"/>
-          </p:nvPr>
-        </p:nvSpPr>
-        <p:spPr/>
-        <p:txBody>
-          <a:bodyPr/>
-          <a:p>
-            <a:r>
-              <a:rPr lang="en-US" b="1">
-                <a:sym typeface="+mn-ea"/>
-              </a:rPr>
-              <a:t>Create New User</a:t>
-            </a:r>
-            <a:endParaRPr lang="en-US" b="1"/>
-          </a:p>
-        </p:txBody>
-      </p:sp>
+      <p:grpSpPr>
+        <a:xfrm>
+          <a:off x="0" y="0"/>
+          <a:ext cx="0" cy="0"/>
+          <a:chOff x="0" y="0"/>
+          <a:chExt cx="0" cy="0"/>
+        </a:xfrm>
+      </p:grpSpPr>
+      <p:sp>
+        <p:nvSpPr>
+          <p:cNvPr id="2" name="Title 1">
+            <a:extLst>
+              <a:ext uri="{FF2B5EF4-FFF2-40B4-BE49-F238E27FC236}">
+                <a16:creationId xmlns:a16="http://schemas.microsoft.com/office/drawing/2014/main" id="{94DED3D0-9CB6-44AA-8BAA-03D41AF641BA}"/>
+              </a:ext>
+            </a:extLst>
+          </p:cNvPr>
+          <p:cNvSpPr>
+            <a:spLocks noGrp="1"/>
+          </p:cNvSpPr>
+          <p:nvPr>
+            <p:ph type="title"/>
+          </p:nvPr>
+        </p:nvSpPr>
+        <p:spPr>
+          <a:xfrm>
+            <a:off x="550416" y="2103437"/>
+            <a:ext cx="10883283" cy="1325563"/>
+          </a:xfrm>
+        </p:spPr>
+        <p:txBody>
+          <a:bodyPr/>
+          <a:lstStyle/>
+          <a:p>
+            <a:pPr algn="ctr"/>
+            <a:r>
+              <a:rPr lang="en-US" sz="8800" b="1" i="1" dirty="0"/>
+              <a:t>PES-VB</a:t>
+            </a:r>
+            <a:endParaRPr lang="en-IN" b="1" i="1" dirty="0"/>
+          </a:p>
+        </p:txBody>
+      </p:sp>
+      <p:sp>
+        <p:nvSpPr>
+          <p:cNvPr id="3" name="Content Placeholder 2">
+            <a:extLst>
+              <a:ext uri="{FF2B5EF4-FFF2-40B4-BE49-F238E27FC236}">
+                <a16:creationId xmlns:a16="http://schemas.microsoft.com/office/drawing/2014/main" id="{81665BFE-FB26-43F4-82DD-22B3DB04BB75}"/>
+              </a:ext>
+            </a:extLst>
+          </p:cNvPr>
+          <p:cNvSpPr>
+            <a:spLocks noGrp="1"/>
+          </p:cNvSpPr>
+          <p:nvPr>
+            <p:ph idx="1"/>
+          </p:nvPr>
+        </p:nvSpPr>
+        <p:spPr>
+          <a:xfrm>
+            <a:off x="838200" y="3844033"/>
+            <a:ext cx="10515600" cy="532658"/>
+          </a:xfrm>
+        </p:spPr>
+        <p:txBody>
+          <a:bodyPr/>
+          <a:lstStyle/>
+          <a:p>
+            <a:pPr marL="0" indent="0" algn="ctr">
+              <a:buNone/>
+            </a:pPr>
+            <a:r>
+              <a:rPr lang="en-US" dirty="0"/>
+              <a:t>Performance Evaluation Software – </a:t>
+            </a:r>
+            <a:r>
+              <a:rPr lang="en-US" dirty="0" err="1"/>
+              <a:t>VolleyBall</a:t>
+            </a:r>
+            <a:endParaRPr lang="en-IN" dirty="0"/>
+          </a:p>
+        </p:txBody>
+      </p:sp>
+      <p:cxnSp>
+        <p:nvCxnSpPr>
+          <p:cNvPr id="5" name="Straight Connector 4">
+            <a:extLst>
+              <a:ext uri="{FF2B5EF4-FFF2-40B4-BE49-F238E27FC236}">
+                <a16:creationId xmlns:a16="http://schemas.microsoft.com/office/drawing/2014/main" id="{9B02A2E1-5201-45A3-B020-FD18716528EE}"/>
+              </a:ext>
+            </a:extLst>
+          </p:cNvPr>
+          <p:cNvCxnSpPr/>
+          <p:nvPr/>
+        </p:nvCxnSpPr>
+        <p:spPr>
+          <a:xfrm>
+            <a:off x="816746" y="3551068"/>
+            <a:ext cx="10546671" cy="0"/>
+          </a:xfrm>
+          <a:prstGeom prst="line">
+            <a:avLst/>
+          </a:prstGeom>
+        </p:spPr>
+        <p:style>
+          <a:lnRef idx="3">
+            <a:schemeClr val="dk1"/>
+          </a:lnRef>
+          <a:fillRef idx="0">
+            <a:schemeClr val="dk1"/>
+          </a:fillRef>
+          <a:effectRef idx="2">
+            <a:schemeClr val="dk1"/>
+          </a:effectRef>
+          <a:fontRef idx="minor">
+            <a:schemeClr val="tx1"/>
+          </a:fontRef>
+        </p:style>
+      </p:cxnSp>
     </p:spTree>
+    <p:extLst>
+      <p:ext uri="{BB962C8B-B14F-4D97-AF65-F5344CB8AC3E}">
+        <p14:creationId xmlns:p14="http://schemas.microsoft.com/office/powerpoint/2010/main" val="730975848"/>
+      </p:ext>
+    </p:extLst>
   </p:cSld>
   <p:clrMapOvr>
     <a:masterClrMapping/>
@@ -2684,7 +2754,14 @@
         <p:cNvGrpSpPr/>
         <p:nvPr/>
       </p:nvGrpSpPr>
-      <p:grpSpPr/>
+      <p:grpSpPr>
+        <a:xfrm>
+          <a:off x="0" y="0"/>
+          <a:ext cx="0" cy="0"/>
+          <a:chOff x="0" y="0"/>
+          <a:chExt cx="0" cy="0"/>
+        </a:xfrm>
+      </p:grpSpPr>
       <p:sp>
         <p:nvSpPr>
           <p:cNvPr id="2" name="Title 1"/>
@@ -2695,20 +2772,69 @@
             <p:ph type="title"/>
           </p:nvPr>
         </p:nvSpPr>
-        <p:spPr>
-          <a:xfrm>
-            <a:off x="3632200" y="2693670"/>
-            <a:ext cx="4927600" cy="1325880"/>
-          </a:xfrm>
-        </p:spPr>
-        <p:txBody>
-          <a:bodyPr/>
-          <a:p>
-            <a:r>
-              <a:rPr lang="en-US"/>
-              <a:t>Edit Initial Rotation 	</a:t>
-            </a:r>
-            <a:endParaRPr lang="en-US"/>
+        <p:spPr/>
+        <p:txBody>
+          <a:bodyPr>
+            <a:normAutofit/>
+          </a:bodyPr>
+          <a:lstStyle/>
+          <a:p>
+            <a:r>
+              <a:rPr lang="en-US"/>
+              <a:t>Things to do in Scouting Window	</a:t>
+            </a:r>
+          </a:p>
+        </p:txBody>
+      </p:sp>
+      <p:sp>
+        <p:nvSpPr>
+          <p:cNvPr id="3" name="Content Placeholder 2"/>
+          <p:cNvSpPr>
+            <a:spLocks noGrp="1"/>
+          </p:cNvSpPr>
+          <p:nvPr>
+            <p:ph idx="1"/>
+          </p:nvPr>
+        </p:nvSpPr>
+        <p:spPr/>
+        <p:txBody>
+          <a:bodyPr/>
+          <a:lstStyle/>
+          <a:p>
+            <a:r>
+              <a:rPr lang="en-US"/>
+              <a:t>Edit Initial Rotation Order</a:t>
+            </a:r>
+          </a:p>
+          <a:p>
+            <a:r>
+              <a:rPr lang="en-US"/>
+              <a:t>Substitute Player</a:t>
+            </a:r>
+          </a:p>
+          <a:p>
+            <a:r>
+              <a:rPr lang="en-US"/>
+              <a:t>Select Timeout</a:t>
+            </a:r>
+          </a:p>
+          <a:p>
+            <a:r>
+              <a:rPr lang="en-US"/>
+              <a:t>Replace Libero</a:t>
+            </a:r>
+          </a:p>
+          <a:p>
+            <a:r>
+              <a:rPr lang="en-US"/>
+              <a:t>Edit Rally</a:t>
+            </a:r>
+          </a:p>
+          <a:p>
+            <a:r>
+              <a:rPr lang="en-US"/>
+              <a:t>Incomplete Rally</a:t>
+            </a:r>
           </a:p>
         </p:txBody>
       </p:sp>
@@ -2729,7 +2855,14 @@
         <p:cNvGrpSpPr/>
         <p:nvPr/>
       </p:nvGrpSpPr>
-      <p:grpSpPr/>
+      <p:grpSpPr>
+        <a:xfrm>
+          <a:off x="0" y="0"/>
+          <a:ext cx="0" cy="0"/>
+          <a:chOff x="0" y="0"/>
+          <a:chExt cx="0" cy="0"/>
+        </a:xfrm>
+      </p:grpSpPr>
       <p:sp>
         <p:nvSpPr>
           <p:cNvPr id="2" name="Title 1"/>
@@ -2748,12 +2881,12 @@
         </p:spPr>
         <p:txBody>
           <a:bodyPr/>
-          <a:p>
-            <a:r>
-              <a:rPr lang="en-US"/>
-              <a:t> 	Replace Libero</a:t>
-            </a:r>
-            <a:endParaRPr lang="en-US"/>
+          <a:lstStyle/>
+          <a:p>
+            <a:r>
+              <a:rPr lang="en-US"/>
+              <a:t>Edit Initial Rotation 	</a:t>
+            </a:r>
           </a:p>
         </p:txBody>
       </p:sp>
@@ -2774,7 +2907,14 @@
         <p:cNvGrpSpPr/>
         <p:nvPr/>
       </p:nvGrpSpPr>
-      <p:grpSpPr/>
+      <p:grpSpPr>
+        <a:xfrm>
+          <a:off x="0" y="0"/>
+          <a:ext cx="0" cy="0"/>
+          <a:chOff x="0" y="0"/>
+          <a:chExt cx="0" cy="0"/>
+        </a:xfrm>
+      </p:grpSpPr>
       <p:sp>
         <p:nvSpPr>
           <p:cNvPr id="2" name="Title 1"/>
@@ -2787,18 +2927,18 @@
         </p:nvSpPr>
         <p:spPr>
           <a:xfrm>
-            <a:off x="3346450" y="2693670"/>
+            <a:off x="3632200" y="2693670"/>
             <a:ext cx="4927600" cy="1325880"/>
           </a:xfrm>
         </p:spPr>
         <p:txBody>
           <a:bodyPr/>
-          <a:p>
-            <a:r>
-              <a:rPr lang="en-US"/>
-              <a:t> 	Substitute Player</a:t>
-            </a:r>
-            <a:endParaRPr lang="en-US"/>
+          <a:lstStyle/>
+          <a:p>
+            <a:r>
+              <a:rPr lang="en-US"/>
+              <a:t> 	Replace Libero</a:t>
+            </a:r>
           </a:p>
         </p:txBody>
       </p:sp>
@@ -2819,7 +2959,14 @@
         <p:cNvGrpSpPr/>
         <p:nvPr/>
       </p:nvGrpSpPr>
-      <p:grpSpPr/>
+      <p:grpSpPr>
+        <a:xfrm>
+          <a:off x="0" y="0"/>
+          <a:ext cx="0" cy="0"/>
+          <a:chOff x="0" y="0"/>
+          <a:chExt cx="0" cy="0"/>
+        </a:xfrm>
+      </p:grpSpPr>
       <p:sp>
         <p:nvSpPr>
           <p:cNvPr id="2" name="Title 1"/>
@@ -2832,18 +2979,18 @@
         </p:nvSpPr>
         <p:spPr>
           <a:xfrm>
-            <a:off x="3632200" y="2693670"/>
+            <a:off x="3346450" y="2693670"/>
             <a:ext cx="4927600" cy="1325880"/>
           </a:xfrm>
         </p:spPr>
         <p:txBody>
           <a:bodyPr/>
-          <a:p>
-            <a:r>
-              <a:rPr lang="en-US"/>
-              <a:t>     Select Timeout</a:t>
-            </a:r>
-            <a:endParaRPr lang="en-US"/>
+          <a:lstStyle/>
+          <a:p>
+            <a:r>
+              <a:rPr lang="en-US"/>
+              <a:t> 	Substitute Player</a:t>
+            </a:r>
           </a:p>
         </p:txBody>
       </p:sp>
@@ -2864,7 +3011,14 @@
         <p:cNvGrpSpPr/>
         <p:nvPr/>
       </p:nvGrpSpPr>
-      <p:grpSpPr/>
+      <p:grpSpPr>
+        <a:xfrm>
+          <a:off x="0" y="0"/>
+          <a:ext cx="0" cy="0"/>
+          <a:chOff x="0" y="0"/>
+          <a:chExt cx="0" cy="0"/>
+        </a:xfrm>
+      </p:grpSpPr>
       <p:sp>
         <p:nvSpPr>
           <p:cNvPr id="2" name="Title 1"/>
@@ -2883,12 +3037,12 @@
         </p:spPr>
         <p:txBody>
           <a:bodyPr/>
+          <a:lstStyle/>
           <a:p>
             <a:r>
               <a:rPr lang="en-US"/>
               <a:t>     Select Timeout</a:t>
             </a:r>
-            <a:endParaRPr lang="en-US"/>
           </a:p>
         </p:txBody>
       </p:sp>
@@ -2909,7 +3063,14 @@
         <p:cNvGrpSpPr/>
         <p:nvPr/>
       </p:nvGrpSpPr>
-      <p:grpSpPr/>
+      <p:grpSpPr>
+        <a:xfrm>
+          <a:off x="0" y="0"/>
+          <a:ext cx="0" cy="0"/>
+          <a:chOff x="0" y="0"/>
+          <a:chExt cx="0" cy="0"/>
+        </a:xfrm>
+      </p:grpSpPr>
       <p:sp>
         <p:nvSpPr>
           <p:cNvPr id="2" name="Title 1"/>
@@ -2922,96 +3083,18 @@
         </p:nvSpPr>
         <p:spPr>
           <a:xfrm>
-            <a:off x="647700" y="280670"/>
+            <a:off x="3632200" y="2693670"/>
             <a:ext cx="4927600" cy="1325880"/>
           </a:xfrm>
         </p:spPr>
         <p:txBody>
           <a:bodyPr/>
-          <a:p>
-            <a:r>
-              <a:rPr lang="en-US"/>
-              <a:t>Incomplete Rally</a:t>
-            </a:r>
-            <a:endParaRPr lang="en-US"/>
-          </a:p>
-        </p:txBody>
-      </p:sp>
-      <p:sp>
-        <p:nvSpPr>
-          <p:cNvPr id="3" name="Title 1"/>
-          <p:cNvSpPr>
-            <a:spLocks noGrp="1"/>
-          </p:cNvSpPr>
-          <p:nvPr/>
-        </p:nvSpPr>
-        <p:spPr>
-          <a:xfrm>
-            <a:off x="711200" y="2217420"/>
-            <a:ext cx="4927600" cy="1325880"/>
-          </a:xfrm>
-          <a:prstGeom prst="rect">
-            <a:avLst/>
-          </a:prstGeom>
-        </p:spPr>
-        <p:txBody>
-          <a:bodyPr vert="horz" lIns="91440" tIns="45720" rIns="91440" bIns="45720" rtlCol="0" anchor="ctr">
-            <a:normAutofit/>
-          </a:bodyPr>
-          <a:lstStyle>
-            <a:lvl1pPr algn="l" defTabSz="914400" rtl="0" eaLnBrk="1" latinLnBrk="0" hangingPunct="1">
-              <a:lnSpc>
-                <a:spcPct val="90000"/>
-              </a:lnSpc>
-              <a:spcBef>
-                <a:spcPct val="0"/>
-              </a:spcBef>
-              <a:buNone/>
-              <a:defRPr sz="4400" kern="1200">
-                <a:solidFill>
-                  <a:schemeClr val="tx1"/>
-                </a:solidFill>
-                <a:latin typeface="+mj-lt"/>
-                <a:ea typeface="+mj-ea"/>
-                <a:cs typeface="+mj-cs"/>
-              </a:defRPr>
-            </a:lvl1pPr>
-          </a:lstStyle>
-          <a:p>
-            <a:r>
-              <a:rPr lang="en-US"/>
-              <a:t>  </a:t>
-            </a:r>
-            <a:endParaRPr lang="en-US"/>
-          </a:p>
-        </p:txBody>
-      </p:sp>
-      <p:sp>
-        <p:nvSpPr>
-          <p:cNvPr id="4" name="Content Placeholder 3"/>
-          <p:cNvSpPr>
-            <a:spLocks noGrp="1"/>
-          </p:cNvSpPr>
-          <p:nvPr>
-            <p:ph idx="1"/>
-          </p:nvPr>
-        </p:nvSpPr>
-        <p:spPr/>
-        <p:txBody>
-          <a:bodyPr/>
-          <a:p>
-            <a:r>
-              <a:rPr lang="en-US"/>
-              <a:t>If Rally is missed while evaluating, then select only winning team and the score will update accordingly.</a:t>
-            </a:r>
-            <a:endParaRPr lang="en-US"/>
-          </a:p>
-          <a:p>
-            <a:r>
-              <a:rPr lang="en-US"/>
-              <a:t>Once the set is over then edit and update the rally.</a:t>
-            </a:r>
-            <a:endParaRPr lang="en-US"/>
+          <a:lstStyle/>
+          <a:p>
+            <a:r>
+              <a:rPr lang="en-US"/>
+              <a:t>     Select Timeout</a:t>
+            </a:r>
           </a:p>
         </p:txBody>
       </p:sp>
@@ -3032,7 +3115,14 @@
         <p:cNvGrpSpPr/>
         <p:nvPr/>
       </p:nvGrpSpPr>
-      <p:grpSpPr/>
+      <p:grpSpPr>
+        <a:xfrm>
+          <a:off x="0" y="0"/>
+          <a:ext cx="0" cy="0"/>
+          <a:chOff x="0" y="0"/>
+          <a:chExt cx="0" cy="0"/>
+        </a:xfrm>
+      </p:grpSpPr>
       <p:sp>
         <p:nvSpPr>
           <p:cNvPr id="2" name="Title 1"/>
@@ -3045,18 +3135,94 @@
         </p:nvSpPr>
         <p:spPr>
           <a:xfrm>
-            <a:off x="3632200" y="2693670"/>
+            <a:off x="647700" y="280670"/>
             <a:ext cx="4927600" cy="1325880"/>
           </a:xfrm>
         </p:spPr>
         <p:txBody>
           <a:bodyPr/>
-          <a:p>
-            <a:r>
-              <a:rPr lang="en-US"/>
-              <a:t>          Edit Rally</a:t>
-            </a:r>
-            <a:endParaRPr lang="en-US"/>
+          <a:lstStyle/>
+          <a:p>
+            <a:r>
+              <a:rPr lang="en-US"/>
+              <a:t>Incomplete Rally</a:t>
+            </a:r>
+          </a:p>
+        </p:txBody>
+      </p:sp>
+      <p:sp>
+        <p:nvSpPr>
+          <p:cNvPr id="3" name="Title 1"/>
+          <p:cNvSpPr>
+            <a:spLocks noGrp="1"/>
+          </p:cNvSpPr>
+          <p:nvPr/>
+        </p:nvSpPr>
+        <p:spPr>
+          <a:xfrm>
+            <a:off x="711200" y="2217420"/>
+            <a:ext cx="4927600" cy="1325880"/>
+          </a:xfrm>
+          <a:prstGeom prst="rect">
+            <a:avLst/>
+          </a:prstGeom>
+        </p:spPr>
+        <p:txBody>
+          <a:bodyPr vert="horz" lIns="91440" tIns="45720" rIns="91440" bIns="45720" rtlCol="0" anchor="ctr">
+            <a:normAutofit/>
+          </a:bodyPr>
+          <a:lstStyle>
+            <a:lvl1pPr algn="l" defTabSz="914400" rtl="0" eaLnBrk="1" latinLnBrk="0" hangingPunct="1">
+              <a:lnSpc>
+                <a:spcPct val="90000"/>
+              </a:lnSpc>
+              <a:spcBef>
+                <a:spcPct val="0"/>
+              </a:spcBef>
+              <a:buNone/>
+              <a:defRPr sz="4400" kern="1200">
+                <a:solidFill>
+                  <a:schemeClr val="tx1"/>
+                </a:solidFill>
+                <a:latin typeface="+mj-lt"/>
+                <a:ea typeface="+mj-ea"/>
+                <a:cs typeface="+mj-cs"/>
+              </a:defRPr>
+            </a:lvl1pPr>
+          </a:lstStyle>
+          <a:p>
+            <a:r>
+              <a:rPr lang="en-US"/>
+              <a:t>  </a:t>
+            </a:r>
+          </a:p>
+        </p:txBody>
+      </p:sp>
+      <p:sp>
+        <p:nvSpPr>
+          <p:cNvPr id="4" name="Content Placeholder 3"/>
+          <p:cNvSpPr>
+            <a:spLocks noGrp="1"/>
+          </p:cNvSpPr>
+          <p:nvPr>
+            <p:ph idx="1"/>
+          </p:nvPr>
+        </p:nvSpPr>
+        <p:spPr/>
+        <p:txBody>
+          <a:bodyPr/>
+          <a:lstStyle/>
+          <a:p>
+            <a:r>
+              <a:rPr lang="en-US"/>
+              <a:t>If Rally is missed while evaluating, then select only winning team and the score will update accordingly.</a:t>
+            </a:r>
+          </a:p>
+          <a:p>
+            <a:r>
+              <a:rPr lang="en-US"/>
+              <a:t>Once the set is over then edit and update the rally.</a:t>
+            </a:r>
           </a:p>
         </p:txBody>
       </p:sp>
@@ -3077,7 +3243,14 @@
         <p:cNvGrpSpPr/>
         <p:nvPr/>
       </p:nvGrpSpPr>
-      <p:grpSpPr/>
+      <p:grpSpPr>
+        <a:xfrm>
+          <a:off x="0" y="0"/>
+          <a:ext cx="0" cy="0"/>
+          <a:chOff x="0" y="0"/>
+          <a:chExt cx="0" cy="0"/>
+        </a:xfrm>
+      </p:grpSpPr>
       <p:sp>
         <p:nvSpPr>
           <p:cNvPr id="2" name="Title 1"/>
@@ -3088,15 +3261,67 @@
             <p:ph type="title"/>
           </p:nvPr>
         </p:nvSpPr>
-        <p:spPr/>
-        <p:txBody>
-          <a:bodyPr/>
+        <p:spPr>
+          <a:xfrm>
+            <a:off x="3632200" y="2693670"/>
+            <a:ext cx="4927600" cy="1325880"/>
+          </a:xfrm>
+        </p:spPr>
+        <p:txBody>
+          <a:bodyPr/>
+          <a:lstStyle/>
+          <a:p>
+            <a:r>
+              <a:rPr lang="en-US"/>
+              <a:t>          Edit Rally</a:t>
+            </a:r>
+          </a:p>
+        </p:txBody>
+      </p:sp>
+    </p:spTree>
+  </p:cSld>
+  <p:clrMapOvr>
+    <a:masterClrMapping/>
+  </p:clrMapOvr>
+</p:sld>
+</file>
+
+<file path=ppt/slides/slide18.xml><?xml version="1.0" encoding="utf-8"?>
+<p:sld xmlns:a="http://schemas.openxmlformats.org/drawingml/2006/main" xmlns:r="http://schemas.openxmlformats.org/officeDocument/2006/relationships" xmlns:p="http://schemas.openxmlformats.org/presentationml/2006/main">
+  <p:cSld>
+    <p:spTree>
+      <p:nvGrpSpPr>
+        <p:cNvPr id="1" name=""/>
+        <p:cNvGrpSpPr/>
+        <p:nvPr/>
+      </p:nvGrpSpPr>
+      <p:grpSpPr>
+        <a:xfrm>
+          <a:off x="0" y="0"/>
+          <a:ext cx="0" cy="0"/>
+          <a:chOff x="0" y="0"/>
+          <a:chExt cx="0" cy="0"/>
+        </a:xfrm>
+      </p:grpSpPr>
+      <p:sp>
+        <p:nvSpPr>
+          <p:cNvPr id="2" name="Title 1"/>
+          <p:cNvSpPr>
+            <a:spLocks noGrp="1"/>
+          </p:cNvSpPr>
+          <p:nvPr>
+            <p:ph type="title"/>
+          </p:nvPr>
+        </p:nvSpPr>
+        <p:spPr/>
+        <p:txBody>
+          <a:bodyPr/>
+          <a:lstStyle/>
           <a:p>
             <a:r>
               <a:rPr lang="en-US"/>
               <a:t>Reports</a:t>
             </a:r>
-            <a:endParaRPr lang="en-US"/>
           </a:p>
         </p:txBody>
       </p:sp>
@@ -3113,26 +3338,24 @@
         <p:spPr/>
         <p:txBody>
           <a:bodyPr/>
+          <a:lstStyle/>
           <a:p>
             <a:r>
               <a:rPr lang="en-US"/>
               <a:t>Select Match</a:t>
             </a:r>
-            <a:endParaRPr lang="en-US"/>
           </a:p>
           <a:p>
             <a:r>
               <a:rPr lang="en-US"/>
               <a:t>Click on “Report”</a:t>
             </a:r>
-            <a:endParaRPr lang="en-US"/>
           </a:p>
           <a:p>
             <a:r>
               <a:rPr lang="en-US"/>
               <a:t>Report Consist of Following</a:t>
             </a:r>
-            <a:endParaRPr lang="en-US"/>
           </a:p>
           <a:p>
             <a:pPr lvl="1"/>
@@ -3140,7 +3363,6 @@
               <a:rPr lang="en-US"/>
               <a:t>Match Wise Performance</a:t>
             </a:r>
-            <a:endParaRPr lang="en-US"/>
           </a:p>
           <a:p>
             <a:pPr lvl="1"/>
@@ -3148,7 +3370,6 @@
               <a:rPr lang="en-US"/>
               <a:t>Team Wise all Skills</a:t>
             </a:r>
-            <a:endParaRPr lang="en-US"/>
           </a:p>
           <a:p>
             <a:pPr lvl="1"/>
@@ -3156,7 +3377,6 @@
               <a:rPr lang="en-US"/>
               <a:t>Setwise Data Sheet </a:t>
             </a:r>
-            <a:endParaRPr lang="en-US"/>
           </a:p>
         </p:txBody>
       </p:sp>
@@ -3177,7 +3397,14 @@
         <p:cNvGrpSpPr/>
         <p:nvPr/>
       </p:nvGrpSpPr>
-      <p:grpSpPr/>
+      <p:grpSpPr>
+        <a:xfrm>
+          <a:off x="0" y="0"/>
+          <a:ext cx="0" cy="0"/>
+          <a:chOff x="0" y="0"/>
+          <a:chExt cx="0" cy="0"/>
+        </a:xfrm>
+      </p:grpSpPr>
       <p:sp>
         <p:nvSpPr>
           <p:cNvPr id="2" name="Title 1"/>
@@ -3191,12 +3418,13 @@
         <p:spPr/>
         <p:txBody>
           <a:bodyPr/>
+          <a:lstStyle/>
           <a:p>
             <a:r>
               <a:rPr lang="en-US" b="1">
                 <a:sym typeface="+mn-ea"/>
               </a:rPr>
-              <a:t>Create New Competition</a:t>
+              <a:t>Create New User</a:t>
             </a:r>
             <a:endParaRPr lang="en-US" b="1"/>
           </a:p>
@@ -3219,7 +3447,14 @@
         <p:cNvGrpSpPr/>
         <p:nvPr/>
       </p:nvGrpSpPr>
-      <p:grpSpPr/>
+      <p:grpSpPr>
+        <a:xfrm>
+          <a:off x="0" y="0"/>
+          <a:ext cx="0" cy="0"/>
+          <a:chOff x="0" y="0"/>
+          <a:chExt cx="0" cy="0"/>
+        </a:xfrm>
+      </p:grpSpPr>
       <p:sp>
         <p:nvSpPr>
           <p:cNvPr id="2" name="Title 1"/>
@@ -3227,83 +3462,21 @@
             <a:spLocks noGrp="1"/>
           </p:cNvSpPr>
           <p:nvPr>
-            <p:ph type="title"/>
-          </p:nvPr>
-        </p:nvSpPr>
-        <p:spPr/>
-        <p:txBody>
-          <a:bodyPr/>
-          <a:p>
-            <a:r>
-              <a:rPr lang="en-US"/>
-              <a:t>Create a new Match in Competition	</a:t>
-            </a:r>
-            <a:endParaRPr lang="en-US"/>
-          </a:p>
-        </p:txBody>
-      </p:sp>
-      <p:sp>
-        <p:nvSpPr>
-          <p:cNvPr id="3" name="Content Placeholder 2"/>
-          <p:cNvSpPr>
-            <a:spLocks noGrp="1"/>
-          </p:cNvSpPr>
-          <p:nvPr>
-            <p:ph idx="1"/>
-          </p:nvPr>
-        </p:nvSpPr>
-        <p:spPr/>
-        <p:txBody>
-          <a:bodyPr/>
-          <a:p>
-            <a:r>
-              <a:rPr lang="en-US"/>
-              <a:t>Steps</a:t>
-            </a:r>
-            <a:endParaRPr lang="en-US"/>
-          </a:p>
-          <a:p>
-            <a:pPr marL="514350" indent="-514350">
-              <a:buAutoNum type="arabicPeriod"/>
-            </a:pPr>
-            <a:r>
-              <a:rPr lang="en-US"/>
-              <a:t>Select the competition</a:t>
-            </a:r>
-            <a:endParaRPr lang="en-US"/>
-          </a:p>
-          <a:p>
-            <a:pPr marL="514350" indent="-514350">
-              <a:buAutoNum type="arabicPeriod"/>
-            </a:pPr>
-            <a:r>
-              <a:rPr lang="en-US"/>
-              <a:t>Add 'Team' with players</a:t>
-            </a:r>
-            <a:endParaRPr lang="en-US"/>
-          </a:p>
-          <a:p>
-            <a:pPr marL="514350" indent="-514350">
-              <a:buAutoNum type="arabicPeriod"/>
-            </a:pPr>
-            <a:r>
-              <a:rPr lang="en-US"/>
-              <a:t>Create New Match</a:t>
-            </a:r>
-            <a:endParaRPr lang="en-US"/>
-          </a:p>
-          <a:p>
-            <a:pPr marL="514350" indent="-514350">
-              <a:buAutoNum type="arabicPeriod"/>
-            </a:pPr>
-            <a:r>
-              <a:rPr lang="en-US"/>
-              <a:t>Select Teams for match</a:t>
-            </a:r>
-            <a:endParaRPr lang="en-US"/>
-          </a:p>
-          <a:p>
-            <a:endParaRPr lang="en-US"/>
+            <p:ph type="ctrTitle"/>
+          </p:nvPr>
+        </p:nvSpPr>
+        <p:spPr/>
+        <p:txBody>
+          <a:bodyPr/>
+          <a:lstStyle/>
+          <a:p>
+            <a:r>
+              <a:rPr lang="en-US" b="1">
+                <a:sym typeface="+mn-ea"/>
+              </a:rPr>
+              <a:t>Create New Competition</a:t>
+            </a:r>
+            <a:endParaRPr lang="en-US" b="1"/>
           </a:p>
         </p:txBody>
       </p:sp>
@@ -3324,7 +3497,14 @@
         <p:cNvGrpSpPr/>
         <p:nvPr/>
       </p:nvGrpSpPr>
-      <p:grpSpPr/>
+      <p:grpSpPr>
+        <a:xfrm>
+          <a:off x="0" y="0"/>
+          <a:ext cx="0" cy="0"/>
+          <a:chOff x="0" y="0"/>
+          <a:chExt cx="0" cy="0"/>
+        </a:xfrm>
+      </p:grpSpPr>
       <p:sp>
         <p:nvSpPr>
           <p:cNvPr id="2" name="Title 1"/>
@@ -3338,12 +3518,12 @@
         <p:spPr/>
         <p:txBody>
           <a:bodyPr/>
-          <a:p>
-            <a:r>
-              <a:rPr lang="en-US"/>
-              <a:t>Summary</a:t>
-            </a:r>
-            <a:endParaRPr lang="en-US"/>
+          <a:lstStyle/>
+          <a:p>
+            <a:r>
+              <a:rPr lang="en-US"/>
+              <a:t>Create a new Match in Competition	</a:t>
+            </a:r>
           </a:p>
         </p:txBody>
       </p:sp>
@@ -3360,44 +3540,50 @@
         <p:spPr/>
         <p:txBody>
           <a:bodyPr/>
-          <a:p>
-            <a:r>
-              <a:rPr lang="en-US">
-                <a:sym typeface="+mn-ea"/>
-              </a:rPr>
-              <a:t>Created </a:t>
-            </a:r>
-            <a:r>
-              <a:rPr lang="en-US"/>
-              <a:t>Competition with name “Vollyball Season 2018”.</a:t>
-            </a:r>
-            <a:endParaRPr lang="en-US"/>
-          </a:p>
-          <a:p>
-            <a:r>
-              <a:rPr lang="en-US"/>
-              <a:t>Created Team 1 with name “VollyClub” .</a:t>
-            </a:r>
-            <a:endParaRPr lang="en-US"/>
-          </a:p>
-          <a:p>
-            <a:r>
-              <a:rPr lang="en-US"/>
-              <a:t>Created Team 2 with name “UnitedVolly”.</a:t>
-            </a:r>
-            <a:endParaRPr lang="en-US"/>
-          </a:p>
-          <a:p>
-            <a:r>
-              <a:rPr lang="en-US">
-                <a:sym typeface="+mn-ea"/>
-              </a:rPr>
-              <a:t>Scheduled </a:t>
-            </a:r>
-            <a:r>
-              <a:rPr lang="en-US"/>
-              <a:t>Match between “VollyClub vs UnitedVolly”.</a:t>
-            </a:r>
+          <a:lstStyle/>
+          <a:p>
+            <a:r>
+              <a:rPr lang="en-US"/>
+              <a:t>Steps</a:t>
+            </a:r>
+          </a:p>
+          <a:p>
+            <a:pPr marL="514350" indent="-514350">
+              <a:buAutoNum type="arabicPeriod"/>
+            </a:pPr>
+            <a:r>
+              <a:rPr lang="en-US"/>
+              <a:t>Select the competition</a:t>
+            </a:r>
+          </a:p>
+          <a:p>
+            <a:pPr marL="514350" indent="-514350">
+              <a:buAutoNum type="arabicPeriod"/>
+            </a:pPr>
+            <a:r>
+              <a:rPr lang="en-US"/>
+              <a:t>Add 'Team' with players</a:t>
+            </a:r>
+          </a:p>
+          <a:p>
+            <a:pPr marL="514350" indent="-514350">
+              <a:buAutoNum type="arabicPeriod"/>
+            </a:pPr>
+            <a:r>
+              <a:rPr lang="en-US"/>
+              <a:t>Create New Match</a:t>
+            </a:r>
+          </a:p>
+          <a:p>
+            <a:pPr marL="514350" indent="-514350">
+              <a:buAutoNum type="arabicPeriod"/>
+            </a:pPr>
+            <a:r>
+              <a:rPr lang="en-US"/>
+              <a:t>Select Teams for match</a:t>
+            </a:r>
+          </a:p>
+          <a:p>
             <a:endParaRPr lang="en-US"/>
           </a:p>
         </p:txBody>
@@ -3419,7 +3605,14 @@
         <p:cNvGrpSpPr/>
         <p:nvPr/>
       </p:nvGrpSpPr>
-      <p:grpSpPr/>
+      <p:grpSpPr>
+        <a:xfrm>
+          <a:off x="0" y="0"/>
+          <a:ext cx="0" cy="0"/>
+          <a:chOff x="0" y="0"/>
+          <a:chExt cx="0" cy="0"/>
+        </a:xfrm>
+      </p:grpSpPr>
       <p:sp>
         <p:nvSpPr>
           <p:cNvPr id="2" name="Title 1"/>
@@ -3433,12 +3626,12 @@
         <p:spPr/>
         <p:txBody>
           <a:bodyPr/>
-          <a:p>
-            <a:r>
-              <a:rPr lang="en-US"/>
-              <a:t>Live Match Evaluation</a:t>
-            </a:r>
-            <a:endParaRPr lang="en-US"/>
+          <a:lstStyle/>
+          <a:p>
+            <a:r>
+              <a:rPr lang="en-US"/>
+              <a:t>Summary</a:t>
+            </a:r>
           </a:p>
         </p:txBody>
       </p:sp>
@@ -3455,62 +3648,42 @@
         <p:spPr/>
         <p:txBody>
           <a:bodyPr/>
-          <a:p>
-            <a:r>
-              <a:rPr lang="en-US"/>
-              <a:t>Steps	</a:t>
-            </a:r>
-            <a:endParaRPr lang="en-US"/>
-          </a:p>
-          <a:p>
-            <a:pPr marL="514350" indent="-514350">
-              <a:buAutoNum type="arabicPeriod"/>
-            </a:pPr>
-            <a:r>
-              <a:rPr lang="en-US"/>
-              <a:t>Select Match</a:t>
-            </a:r>
-            <a:endParaRPr lang="en-US"/>
-          </a:p>
-          <a:p>
-            <a:pPr marL="514350" indent="-514350">
-              <a:buAutoNum type="arabicPeriod"/>
-            </a:pPr>
-            <a:r>
-              <a:rPr lang="en-US"/>
-              <a:t>Select Evaluation Team</a:t>
-            </a:r>
-            <a:endParaRPr lang="en-US"/>
-          </a:p>
-          <a:p>
-            <a:pPr marL="514350" indent="-514350">
-              <a:buAutoNum type="arabicPeriod"/>
-            </a:pPr>
-            <a:r>
-              <a:rPr lang="en-US"/>
-              <a:t>Select Set</a:t>
-            </a:r>
-            <a:endParaRPr lang="en-US"/>
-          </a:p>
-          <a:p>
-            <a:pPr marL="514350" indent="-514350">
-              <a:buAutoNum type="arabicPeriod"/>
-            </a:pPr>
-            <a:r>
-              <a:rPr lang="en-US"/>
-              <a:t>Set Rotation Order</a:t>
-            </a:r>
-            <a:endParaRPr lang="en-US"/>
-          </a:p>
-          <a:p>
-            <a:pPr marL="514350" indent="-514350">
-              <a:buAutoNum type="arabicPeriod"/>
-            </a:pPr>
-            <a:r>
-              <a:rPr lang="en-US"/>
-              <a:t>Start Evaluating Match</a:t>
-            </a:r>
-            <a:endParaRPr lang="en-US"/>
+          <a:lstStyle/>
+          <a:p>
+            <a:r>
+              <a:rPr lang="en-US">
+                <a:sym typeface="+mn-ea"/>
+              </a:rPr>
+              <a:t>Created </a:t>
+            </a:r>
+            <a:r>
+              <a:rPr lang="en-US"/>
+              <a:t>Competition with name “Vollyball Season 2018”.</a:t>
+            </a:r>
+          </a:p>
+          <a:p>
+            <a:r>
+              <a:rPr lang="en-US"/>
+              <a:t>Created Team 1 with name “VollyClub” .</a:t>
+            </a:r>
+          </a:p>
+          <a:p>
+            <a:r>
+              <a:rPr lang="en-US"/>
+              <a:t>Created Team 2 with name “UnitedVolly”.</a:t>
+            </a:r>
+          </a:p>
+          <a:p>
+            <a:r>
+              <a:rPr lang="en-US">
+                <a:sym typeface="+mn-ea"/>
+              </a:rPr>
+              <a:t>Scheduled </a:t>
+            </a:r>
+            <a:r>
+              <a:rPr lang="en-US"/>
+              <a:t>Match between “VollyClub vs UnitedVolly”.</a:t>
+            </a:r>
           </a:p>
         </p:txBody>
       </p:sp>
@@ -3531,7 +3704,14 @@
         <p:cNvGrpSpPr/>
         <p:nvPr/>
       </p:nvGrpSpPr>
-      <p:grpSpPr/>
+      <p:grpSpPr>
+        <a:xfrm>
+          <a:off x="0" y="0"/>
+          <a:ext cx="0" cy="0"/>
+          <a:chOff x="0" y="0"/>
+          <a:chExt cx="0" cy="0"/>
+        </a:xfrm>
+      </p:grpSpPr>
       <p:sp>
         <p:nvSpPr>
           <p:cNvPr id="2" name="Title 1"/>
@@ -3545,12 +3725,12 @@
         <p:spPr/>
         <p:txBody>
           <a:bodyPr/>
-          <a:p>
-            <a:r>
-              <a:rPr lang="en-US"/>
-              <a:t>Summary	</a:t>
-            </a:r>
-            <a:endParaRPr lang="en-US"/>
+          <a:lstStyle/>
+          <a:p>
+            <a:r>
+              <a:rPr lang="en-US"/>
+              <a:t>Live Match Evaluation</a:t>
+            </a:r>
           </a:p>
         </p:txBody>
       </p:sp>
@@ -3567,12 +3747,57 @@
         <p:spPr/>
         <p:txBody>
           <a:bodyPr/>
-          <a:p>
-            <a:r>
-              <a:rPr lang="en-US"/>
-              <a:t>Completed Evaluating set 1,  continue with Set 2 ,  Set 3,  Set 4 and Set 5 until Match Ends.</a:t>
-            </a:r>
-            <a:endParaRPr lang="en-US"/>
+          <a:lstStyle/>
+          <a:p>
+            <a:r>
+              <a:rPr lang="en-US"/>
+              <a:t>Steps	</a:t>
+            </a:r>
+          </a:p>
+          <a:p>
+            <a:pPr marL="514350" indent="-514350">
+              <a:buAutoNum type="arabicPeriod"/>
+            </a:pPr>
+            <a:r>
+              <a:rPr lang="en-US"/>
+              <a:t>Select Match</a:t>
+            </a:r>
+          </a:p>
+          <a:p>
+            <a:pPr marL="514350" indent="-514350">
+              <a:buAutoNum type="arabicPeriod"/>
+            </a:pPr>
+            <a:r>
+              <a:rPr lang="en-US"/>
+              <a:t>Select Evaluation Team</a:t>
+            </a:r>
+          </a:p>
+          <a:p>
+            <a:pPr marL="514350" indent="-514350">
+              <a:buAutoNum type="arabicPeriod"/>
+            </a:pPr>
+            <a:r>
+              <a:rPr lang="en-US"/>
+              <a:t>Select Set</a:t>
+            </a:r>
+          </a:p>
+          <a:p>
+            <a:pPr marL="514350" indent="-514350">
+              <a:buAutoNum type="arabicPeriod"/>
+            </a:pPr>
+            <a:r>
+              <a:rPr lang="en-US"/>
+              <a:t>Set Rotation Order</a:t>
+            </a:r>
+          </a:p>
+          <a:p>
+            <a:pPr marL="514350" indent="-514350">
+              <a:buAutoNum type="arabicPeriod"/>
+            </a:pPr>
+            <a:r>
+              <a:rPr lang="en-US"/>
+              <a:t>Start Evaluating Match</a:t>
+            </a:r>
           </a:p>
         </p:txBody>
       </p:sp>
@@ -3593,7 +3818,14 @@
         <p:cNvGrpSpPr/>
         <p:nvPr/>
       </p:nvGrpSpPr>
-      <p:grpSpPr/>
+      <p:grpSpPr>
+        <a:xfrm>
+          <a:off x="0" y="0"/>
+          <a:ext cx="0" cy="0"/>
+          <a:chOff x="0" y="0"/>
+          <a:chExt cx="0" cy="0"/>
+        </a:xfrm>
+      </p:grpSpPr>
       <p:sp>
         <p:nvSpPr>
           <p:cNvPr id="2" name="Title 1"/>
@@ -3607,12 +3839,12 @@
         <p:spPr/>
         <p:txBody>
           <a:bodyPr/>
-          <a:p>
-            <a:r>
-              <a:rPr lang="en-US"/>
-              <a:t>Post Match Evaluation</a:t>
-            </a:r>
-            <a:endParaRPr lang="en-US"/>
+          <a:lstStyle/>
+          <a:p>
+            <a:r>
+              <a:rPr lang="en-US"/>
+              <a:t>Summary	</a:t>
+            </a:r>
           </a:p>
         </p:txBody>
       </p:sp>
@@ -3629,72 +3861,12 @@
         <p:spPr/>
         <p:txBody>
           <a:bodyPr/>
-          <a:p>
-            <a:r>
-              <a:rPr lang="en-US"/>
-              <a:t>Steps	</a:t>
-            </a:r>
-            <a:endParaRPr lang="en-US"/>
-          </a:p>
-          <a:p>
-            <a:pPr marL="514350" indent="-514350">
-              <a:buAutoNum type="arabicPeriod"/>
-            </a:pPr>
-            <a:r>
-              <a:rPr lang="en-US"/>
-              <a:t>Select Match</a:t>
-            </a:r>
-            <a:endParaRPr lang="en-US"/>
-          </a:p>
-          <a:p>
-            <a:pPr marL="514350" indent="-514350">
-              <a:buAutoNum type="arabicPeriod"/>
-            </a:pPr>
-            <a:r>
-              <a:rPr lang="en-US"/>
-              <a:t>Select Evaluation Team</a:t>
-            </a:r>
-            <a:endParaRPr lang="en-US"/>
-          </a:p>
-          <a:p>
-            <a:pPr marL="514350" indent="-514350">
-              <a:buAutoNum type="arabicPeriod"/>
-            </a:pPr>
-            <a:r>
-              <a:rPr lang="en-US"/>
-              <a:t>Select Set</a:t>
-            </a:r>
-            <a:endParaRPr lang="en-US"/>
-          </a:p>
-          <a:p>
-            <a:pPr marL="514350" indent="-514350">
-              <a:buAutoNum type="arabicPeriod"/>
-            </a:pPr>
-            <a:r>
-              <a:rPr lang="en-US"/>
-              <a:t>Set Rotation Order</a:t>
-            </a:r>
-            <a:endParaRPr lang="en-US"/>
-          </a:p>
-          <a:p>
-            <a:pPr marL="514350" indent="-514350">
-              <a:buAutoNum type="arabicPeriod"/>
-            </a:pPr>
-            <a:r>
-              <a:rPr lang="en-US"/>
-              <a:t>Open Video</a:t>
-            </a:r>
-            <a:endParaRPr lang="en-US"/>
-          </a:p>
-          <a:p>
-            <a:pPr marL="514350" indent="-514350">
-              <a:buAutoNum type="arabicPeriod"/>
-            </a:pPr>
-            <a:r>
-              <a:rPr lang="en-US"/>
-              <a:t>Start Evaluating Match in detail</a:t>
-            </a:r>
-            <a:endParaRPr lang="en-US"/>
+          <a:lstStyle/>
+          <a:p>
+            <a:r>
+              <a:rPr lang="en-US"/>
+              <a:t>Completed Evaluating set 1,  continue with Set 2 ,  Set 3,  Set 4 and Set 5 until Match Ends.</a:t>
+            </a:r>
           </a:p>
         </p:txBody>
       </p:sp>
@@ -3715,7 +3887,14 @@
         <p:cNvGrpSpPr/>
         <p:nvPr/>
       </p:nvGrpSpPr>
-      <p:grpSpPr/>
+      <p:grpSpPr>
+        <a:xfrm>
+          <a:off x="0" y="0"/>
+          <a:ext cx="0" cy="0"/>
+          <a:chOff x="0" y="0"/>
+          <a:chExt cx="0" cy="0"/>
+        </a:xfrm>
+      </p:grpSpPr>
       <p:sp>
         <p:nvSpPr>
           <p:cNvPr id="2" name="Title 1"/>
@@ -3729,12 +3908,12 @@
         <p:spPr/>
         <p:txBody>
           <a:bodyPr/>
-          <a:p>
-            <a:r>
-              <a:rPr lang="en-US"/>
-              <a:t>Edit Match Details</a:t>
-            </a:r>
-            <a:endParaRPr lang="en-US"/>
+          <a:lstStyle/>
+          <a:p>
+            <a:r>
+              <a:rPr lang="en-US"/>
+              <a:t>Post Match Evaluation</a:t>
+            </a:r>
           </a:p>
         </p:txBody>
       </p:sp>
@@ -3751,47 +3930,66 @@
         <p:spPr/>
         <p:txBody>
           <a:bodyPr/>
-          <a:p>
-            <a:r>
-              <a:rPr lang="en-US"/>
-              <a:t>If any case need to edit the rally, select rally from Dropdown</a:t>
-            </a:r>
-            <a:endParaRPr lang="en-US"/>
-          </a:p>
-          <a:p>
-            <a:r>
-              <a:rPr lang="en-US"/>
-              <a:t>Select Action of the rally.</a:t>
-            </a:r>
-            <a:endParaRPr lang="en-US"/>
-          </a:p>
-          <a:p>
-            <a:r>
-              <a:rPr lang="en-US"/>
-              <a:t>Click on “Edit”.</a:t>
-            </a:r>
-            <a:endParaRPr lang="en-US"/>
-          </a:p>
-          <a:p>
-            <a:r>
-              <a:rPr lang="en-US"/>
-              <a:t>Edit required fields</a:t>
-            </a:r>
-            <a:endParaRPr lang="en-US"/>
-          </a:p>
-          <a:p>
-            <a:r>
-              <a:rPr lang="en-US"/>
-              <a:t>Click on “Save”.</a:t>
-            </a:r>
-            <a:endParaRPr lang="en-US"/>
-          </a:p>
-          <a:p>
-            <a:r>
-              <a:rPr lang="en-US"/>
-              <a:t>Click “Update”.</a:t>
-            </a:r>
-            <a:endParaRPr lang="en-US"/>
+          <a:lstStyle/>
+          <a:p>
+            <a:r>
+              <a:rPr lang="en-US"/>
+              <a:t>Steps	</a:t>
+            </a:r>
+          </a:p>
+          <a:p>
+            <a:pPr marL="514350" indent="-514350">
+              <a:buAutoNum type="arabicPeriod"/>
+            </a:pPr>
+            <a:r>
+              <a:rPr lang="en-US"/>
+              <a:t>Select Match</a:t>
+            </a:r>
+          </a:p>
+          <a:p>
+            <a:pPr marL="514350" indent="-514350">
+              <a:buAutoNum type="arabicPeriod"/>
+            </a:pPr>
+            <a:r>
+              <a:rPr lang="en-US"/>
+              <a:t>Select Evaluation Team</a:t>
+            </a:r>
+          </a:p>
+          <a:p>
+            <a:pPr marL="514350" indent="-514350">
+              <a:buAutoNum type="arabicPeriod"/>
+            </a:pPr>
+            <a:r>
+              <a:rPr lang="en-US"/>
+              <a:t>Select Set</a:t>
+            </a:r>
+          </a:p>
+          <a:p>
+            <a:pPr marL="514350" indent="-514350">
+              <a:buAutoNum type="arabicPeriod"/>
+            </a:pPr>
+            <a:r>
+              <a:rPr lang="en-US"/>
+              <a:t>Set Rotation Order</a:t>
+            </a:r>
+          </a:p>
+          <a:p>
+            <a:pPr marL="514350" indent="-514350">
+              <a:buAutoNum type="arabicPeriod"/>
+            </a:pPr>
+            <a:r>
+              <a:rPr lang="en-US"/>
+              <a:t>Open Video</a:t>
+            </a:r>
+          </a:p>
+          <a:p>
+            <a:pPr marL="514350" indent="-514350">
+              <a:buAutoNum type="arabicPeriod"/>
+            </a:pPr>
+            <a:r>
+              <a:rPr lang="en-US"/>
+              <a:t>Start Evaluating Match in detail</a:t>
+            </a:r>
           </a:p>
         </p:txBody>
       </p:sp>
@@ -3812,7 +4010,14 @@
         <p:cNvGrpSpPr/>
         <p:nvPr/>
       </p:nvGrpSpPr>
-      <p:grpSpPr/>
+      <p:grpSpPr>
+        <a:xfrm>
+          <a:off x="0" y="0"/>
+          <a:ext cx="0" cy="0"/>
+          <a:chOff x="0" y="0"/>
+          <a:chExt cx="0" cy="0"/>
+        </a:xfrm>
+      </p:grpSpPr>
       <p:sp>
         <p:nvSpPr>
           <p:cNvPr id="2" name="Title 1"/>
@@ -3825,15 +4030,13 @@
         </p:nvSpPr>
         <p:spPr/>
         <p:txBody>
-          <a:bodyPr>
-            <a:normAutofit/>
-          </a:bodyPr>
-          <a:p>
-            <a:r>
-              <a:rPr lang="en-US"/>
-              <a:t>Things to do in Scouting Window	</a:t>
-            </a:r>
-            <a:endParaRPr lang="en-US"/>
+          <a:bodyPr/>
+          <a:lstStyle/>
+          <a:p>
+            <a:r>
+              <a:rPr lang="en-US"/>
+              <a:t>Edit Match Details</a:t>
+            </a:r>
           </a:p>
         </p:txBody>
       </p:sp>
@@ -3850,47 +4053,42 @@
         <p:spPr/>
         <p:txBody>
           <a:bodyPr/>
-          <a:p>
-            <a:r>
-              <a:rPr lang="en-US"/>
-              <a:t>Edit Initial Rotation Order</a:t>
-            </a:r>
-            <a:endParaRPr lang="en-US"/>
-          </a:p>
-          <a:p>
-            <a:r>
-              <a:rPr lang="en-US"/>
-              <a:t>Substitute Player</a:t>
-            </a:r>
-            <a:endParaRPr lang="en-US"/>
-          </a:p>
-          <a:p>
-            <a:r>
-              <a:rPr lang="en-US"/>
-              <a:t>Select Timeout</a:t>
-            </a:r>
-            <a:endParaRPr lang="en-US"/>
-          </a:p>
-          <a:p>
-            <a:r>
-              <a:rPr lang="en-US"/>
-              <a:t>Replace Libero</a:t>
-            </a:r>
-            <a:endParaRPr lang="en-US"/>
-          </a:p>
-          <a:p>
-            <a:r>
-              <a:rPr lang="en-US"/>
-              <a:t>Edit Rally</a:t>
-            </a:r>
-            <a:endParaRPr lang="en-US"/>
-          </a:p>
-          <a:p>
-            <a:r>
-              <a:rPr lang="en-US"/>
-              <a:t>Incomplete Rally</a:t>
-            </a:r>
-            <a:endParaRPr lang="en-US"/>
+          <a:lstStyle/>
+          <a:p>
+            <a:r>
+              <a:rPr lang="en-US"/>
+              <a:t>If any case need to edit the rally, select rally from Dropdown</a:t>
+            </a:r>
+          </a:p>
+          <a:p>
+            <a:r>
+              <a:rPr lang="en-US"/>
+              <a:t>Select Action of the rally.</a:t>
+            </a:r>
+          </a:p>
+          <a:p>
+            <a:r>
+              <a:rPr lang="en-US"/>
+              <a:t>Click on “Edit”.</a:t>
+            </a:r>
+          </a:p>
+          <a:p>
+            <a:r>
+              <a:rPr lang="en-US"/>
+              <a:t>Edit required fields</a:t>
+            </a:r>
+          </a:p>
+          <a:p>
+            <a:r>
+              <a:rPr lang="en-US"/>
+              <a:t>Click on “Save”.</a:t>
+            </a:r>
+          </a:p>
+          <a:p>
+            <a:r>
+              <a:rPr lang="en-US"/>
+              <a:t>Click “Update”.</a:t>
+            </a:r>
           </a:p>
         </p:txBody>
       </p:sp>
@@ -4153,6 +4351,8 @@
       </a:bgFillStyleLst>
     </a:fmtScheme>
   </a:themeElements>
+  <a:objectDefaults/>
+  <a:extraClrSchemeLst/>
   <a:extLst>
     <a:ext uri="{05A4C25C-085E-4340-85A3-A5531E510DB2}">
       <thm15:themeFamily xmlns:thm15="http://schemas.microsoft.com/office/thememl/2012/main" name="Office Theme" id="{62F939B6-93AF-4DB8-9C6B-D6C7DFDC589F}" vid="{4A3C46E8-61CC-4603-A589-7422A47A8E4A}"/>
